--- a/Midterm Exam Questionnaire.pptx
+++ b/Midterm Exam Questionnaire.pptx
@@ -4391,7 +4391,7 @@
             </a:r>
             <a:r>
               <a:rPr lang="en-PH" dirty="0"/>
-              <a:t>, add a GitHub button to</a:t>
+              <a:t>, add a GitHub button with text “Go to GitHub profile”</a:t>
             </a:r>
           </a:p>
           <a:p>
@@ -4412,8 +4412,13 @@
             </a:r>
             <a:r>
               <a:rPr lang="en-PH" dirty="0"/>
-              <a:t>, use implicit intent to go to your GitHub profile.</a:t>
-            </a:r>
+              <a:t>, use implicit intent to go to your GitHub profile when clicking </a:t>
+            </a:r>
+            <a:r>
+              <a:rPr lang="en-PH"/>
+              <a:t>the GitHub button.</a:t>
+            </a:r>
+            <a:endParaRPr lang="en-PH" dirty="0"/>
           </a:p>
           <a:p>
             <a:pPr>
